--- a/勾配降下法.pptx
+++ b/勾配降下法.pptx
@@ -7786,62 +7786,6 @@
       </p:grpSpPr>
       <p:sp>
         <p:nvSpPr>
-          <p:cNvPr id="4" name="テキスト ボックス 3">
-            <a:extLst>
-              <a:ext uri="{FF2B5EF4-FFF2-40B4-BE49-F238E27FC236}">
-                <a16:creationId xmlns:a16="http://schemas.microsoft.com/office/drawing/2014/main" id="{F0DF4DB4-0544-435C-992C-E0E55AA5E14F}"/>
-              </a:ext>
-            </a:extLst>
-          </p:cNvPr>
-          <p:cNvSpPr txBox="1"/>
-          <p:nvPr/>
-        </p:nvSpPr>
-        <p:spPr>
-          <a:xfrm>
-            <a:off x="205306" y="2596719"/>
-            <a:ext cx="7918516" cy="1200329"/>
-          </a:xfrm>
-          <a:prstGeom prst="rect">
-            <a:avLst/>
-          </a:prstGeom>
-          <a:noFill/>
-        </p:spPr>
-        <p:txBody>
-          <a:bodyPr wrap="square" rtlCol="0">
-            <a:spAutoFit/>
-          </a:bodyPr>
-          <a:lstStyle/>
-          <a:p>
-            <a:pPr algn="ctr"/>
-            <a:r>
-              <a:rPr kumimoji="1" lang="ja-JP" altLang="en-US" sz="3600" b="1" dirty="0">
-                <a:latin typeface="メイリオ" panose="020B0604030504040204" pitchFamily="50" charset="-128"/>
-                <a:ea typeface="メイリオ" panose="020B0604030504040204" pitchFamily="50" charset="-128"/>
-              </a:rPr>
-              <a:t>ニューラルネットワークの基礎 </a:t>
-            </a:r>
-            <a:r>
-              <a:rPr kumimoji="1" lang="en-US" altLang="ja-JP" sz="3600" b="1" dirty="0">
-                <a:latin typeface="メイリオ" panose="020B0604030504040204" pitchFamily="50" charset="-128"/>
-                <a:ea typeface="メイリオ" panose="020B0604030504040204" pitchFamily="50" charset="-128"/>
-              </a:rPr>
-              <a:t>2 </a:t>
-            </a:r>
-          </a:p>
-          <a:p>
-            <a:pPr algn="ctr"/>
-            <a:r>
-              <a:rPr kumimoji="1" lang="ja-JP" altLang="en-US" sz="3600" b="1" dirty="0">
-                <a:latin typeface="メイリオ" panose="020B0604030504040204" pitchFamily="50" charset="-128"/>
-                <a:ea typeface="メイリオ" panose="020B0604030504040204" pitchFamily="50" charset="-128"/>
-              </a:rPr>
-              <a:t>～　機械学習の学習とは何か</a:t>
-            </a:r>
-          </a:p>
-        </p:txBody>
-      </p:sp>
-      <p:sp>
-        <p:nvSpPr>
           <p:cNvPr id="2" name="テキスト ボックス 1">
             <a:extLst>
               <a:ext uri="{FF2B5EF4-FFF2-40B4-BE49-F238E27FC236}">
@@ -7854,7 +7798,7 @@
         </p:nvSpPr>
         <p:spPr>
           <a:xfrm>
-            <a:off x="777702" y="4102660"/>
+            <a:off x="470131" y="2581431"/>
             <a:ext cx="6340197" cy="584775"/>
           </a:xfrm>
           <a:prstGeom prst="rect">
@@ -10857,8 +10801,8 @@
           </p:sp>
         </mc:Fallback>
       </mc:AlternateContent>
-      <mc:AlternateContent xmlns:mc="http://schemas.openxmlformats.org/markup-compatibility/2006">
-        <mc:Choice xmlns:a14="http://schemas.microsoft.com/office/drawing/2010/main" Requires="a14">
+      <mc:AlternateContent xmlns:mc="http://schemas.openxmlformats.org/markup-compatibility/2006" xmlns:a14="http://schemas.microsoft.com/office/drawing/2010/main">
+        <mc:Choice Requires="a14">
           <p:sp>
             <p:nvSpPr>
               <p:cNvPr id="10" name="テキスト ボックス 9">
@@ -10945,7 +10889,7 @@
             </p:txBody>
           </p:sp>
         </mc:Choice>
-        <mc:Fallback>
+        <mc:Fallback xmlns="">
           <p:sp>
             <p:nvSpPr>
               <p:cNvPr id="10" name="テキスト ボックス 9">
@@ -14295,8 +14239,8 @@
           </a:fontRef>
         </p:style>
       </p:cxnSp>
-      <mc:AlternateContent xmlns:mc="http://schemas.openxmlformats.org/markup-compatibility/2006">
-        <mc:Choice xmlns:a14="http://schemas.microsoft.com/office/drawing/2010/main" Requires="a14">
+      <mc:AlternateContent xmlns:mc="http://schemas.openxmlformats.org/markup-compatibility/2006" xmlns:a14="http://schemas.microsoft.com/office/drawing/2010/main">
+        <mc:Choice Requires="a14">
           <p:sp>
             <p:nvSpPr>
               <p:cNvPr id="7" name="テキスト ボックス 6">
@@ -14430,7 +14374,7 @@
             </p:txBody>
           </p:sp>
         </mc:Choice>
-        <mc:Fallback>
+        <mc:Fallback xmlns="">
           <p:sp>
             <p:nvSpPr>
               <p:cNvPr id="7" name="テキスト ボックス 6">
@@ -14518,8 +14462,8 @@
           </a:fontRef>
         </p:style>
       </p:cxnSp>
-      <mc:AlternateContent xmlns:mc="http://schemas.openxmlformats.org/markup-compatibility/2006">
-        <mc:Choice xmlns:a14="http://schemas.microsoft.com/office/drawing/2010/main" Requires="a14">
+      <mc:AlternateContent xmlns:mc="http://schemas.openxmlformats.org/markup-compatibility/2006" xmlns:a14="http://schemas.microsoft.com/office/drawing/2010/main">
+        <mc:Choice Requires="a14">
           <p:sp>
             <p:nvSpPr>
               <p:cNvPr id="9" name="テキスト ボックス 8">
@@ -14653,7 +14597,7 @@
             </p:txBody>
           </p:sp>
         </mc:Choice>
-        <mc:Fallback>
+        <mc:Fallback xmlns="">
           <p:sp>
             <p:nvSpPr>
               <p:cNvPr id="9" name="テキスト ボックス 8">
@@ -14924,8 +14868,8 @@
           </p:sp>
         </mc:Fallback>
       </mc:AlternateContent>
-      <mc:AlternateContent xmlns:mc="http://schemas.openxmlformats.org/markup-compatibility/2006">
-        <mc:Choice xmlns:a14="http://schemas.microsoft.com/office/drawing/2010/main" Requires="a14">
+      <mc:AlternateContent xmlns:mc="http://schemas.openxmlformats.org/markup-compatibility/2006" xmlns:a14="http://schemas.microsoft.com/office/drawing/2010/main">
+        <mc:Choice Requires="a14">
           <p:sp>
             <p:nvSpPr>
               <p:cNvPr id="13" name="テキスト ボックス 12">
@@ -15012,7 +14956,7 @@
             </p:txBody>
           </p:sp>
         </mc:Choice>
-        <mc:Fallback>
+        <mc:Fallback xmlns="">
           <p:sp>
             <p:nvSpPr>
               <p:cNvPr id="13" name="テキスト ボックス 12">
@@ -15400,8 +15344,8 @@
           </a:fontRef>
         </p:style>
       </p:cxnSp>
-      <mc:AlternateContent xmlns:mc="http://schemas.openxmlformats.org/markup-compatibility/2006">
-        <mc:Choice xmlns:a14="http://schemas.microsoft.com/office/drawing/2010/main" Requires="a14">
+      <mc:AlternateContent xmlns:mc="http://schemas.openxmlformats.org/markup-compatibility/2006" xmlns:a14="http://schemas.microsoft.com/office/drawing/2010/main">
+        <mc:Choice Requires="a14">
           <p:sp>
             <p:nvSpPr>
               <p:cNvPr id="46" name="テキスト ボックス 45">
@@ -15485,7 +15429,7 @@
             </p:txBody>
           </p:sp>
         </mc:Choice>
-        <mc:Fallback>
+        <mc:Fallback xmlns="">
           <p:sp>
             <p:nvSpPr>
               <p:cNvPr id="46" name="テキスト ボックス 45">
@@ -15574,8 +15518,8 @@
           </a:fontRef>
         </p:style>
       </p:cxnSp>
-      <mc:AlternateContent xmlns:mc="http://schemas.openxmlformats.org/markup-compatibility/2006">
-        <mc:Choice xmlns:a14="http://schemas.microsoft.com/office/drawing/2010/main" Requires="a14">
+      <mc:AlternateContent xmlns:mc="http://schemas.openxmlformats.org/markup-compatibility/2006" xmlns:a14="http://schemas.microsoft.com/office/drawing/2010/main">
+        <mc:Choice Requires="a14">
           <p:sp>
             <p:nvSpPr>
               <p:cNvPr id="51" name="テキスト ボックス 50">
@@ -15662,7 +15606,7 @@
             </p:txBody>
           </p:sp>
         </mc:Choice>
-        <mc:Fallback>
+        <mc:Fallback xmlns="">
           <p:sp>
             <p:nvSpPr>
               <p:cNvPr id="51" name="テキスト ボックス 50">
@@ -16116,8 +16060,8 @@
           </p:sp>
         </mc:Fallback>
       </mc:AlternateContent>
-      <mc:AlternateContent xmlns:mc="http://schemas.openxmlformats.org/markup-compatibility/2006">
-        <mc:Choice xmlns:a14="http://schemas.microsoft.com/office/drawing/2010/main" Requires="a14">
+      <mc:AlternateContent xmlns:mc="http://schemas.openxmlformats.org/markup-compatibility/2006" xmlns:a14="http://schemas.microsoft.com/office/drawing/2010/main">
+        <mc:Choice Requires="a14">
           <p:sp>
             <p:nvSpPr>
               <p:cNvPr id="56" name="テキスト ボックス 55">
@@ -16251,7 +16195,7 @@
             </p:txBody>
           </p:sp>
         </mc:Choice>
-        <mc:Fallback>
+        <mc:Fallback xmlns="">
           <p:sp>
             <p:nvSpPr>
               <p:cNvPr id="56" name="テキスト ボックス 55">
@@ -21436,8 +21380,8 @@
           <a:chExt cx="0" cy="0"/>
         </a:xfrm>
       </p:grpSpPr>
-      <mc:AlternateContent xmlns:mc="http://schemas.openxmlformats.org/markup-compatibility/2006">
-        <mc:Choice xmlns:a14="http://schemas.microsoft.com/office/drawing/2010/main" Requires="a14">
+      <mc:AlternateContent xmlns:mc="http://schemas.openxmlformats.org/markup-compatibility/2006" xmlns:a14="http://schemas.microsoft.com/office/drawing/2010/main">
+        <mc:Choice Requires="a14">
           <p:graphicFrame>
             <p:nvGraphicFramePr>
               <p:cNvPr id="3" name="図表 2">
@@ -21467,7 +21411,7 @@
             </a:graphic>
           </p:graphicFrame>
         </mc:Choice>
-        <mc:Fallback>
+        <mc:Fallback xmlns="">
           <p:graphicFrame>
             <p:nvGraphicFramePr>
               <p:cNvPr id="3" name="図表 2">
@@ -21492,7 +21436,7 @@
             </p:xfrm>
             <a:graphic>
               <a:graphicData uri="http://schemas.openxmlformats.org/drawingml/2006/diagram">
-                <dgm:relIds xmlns:dgm="http://schemas.openxmlformats.org/drawingml/2006/diagram" xmlns:r="http://schemas.openxmlformats.org/officeDocument/2006/relationships" r:dm="rId7" r:lo="rId3" r:qs="rId4" r:cs="rId5"/>
+                <dgm:relIds xmlns:dgm="http://schemas.openxmlformats.org/drawingml/2006/diagram" xmlns:r="http://schemas.openxmlformats.org/officeDocument/2006/relationships" r:dm="rId7" r:lo="rId8" r:qs="rId9" r:cs="rId10"/>
               </a:graphicData>
             </a:graphic>
           </p:graphicFrame>
@@ -21682,8 +21626,8 @@
           </a:p>
         </p:txBody>
       </p:sp>
-      <mc:AlternateContent xmlns:mc="http://schemas.openxmlformats.org/markup-compatibility/2006">
-        <mc:Choice xmlns:a14="http://schemas.microsoft.com/office/drawing/2010/main" Requires="a14">
+      <mc:AlternateContent xmlns:mc="http://schemas.openxmlformats.org/markup-compatibility/2006" xmlns:a14="http://schemas.microsoft.com/office/drawing/2010/main">
+        <mc:Choice Requires="a14">
           <p:sp>
             <p:nvSpPr>
               <p:cNvPr id="10" name="テキスト ボックス 9">
@@ -21835,7 +21779,7 @@
             </p:txBody>
           </p:sp>
         </mc:Choice>
-        <mc:Fallback>
+        <mc:Fallback xmlns="">
           <p:sp>
             <p:nvSpPr>
               <p:cNvPr id="10" name="テキスト ボックス 9">
@@ -21859,7 +21803,7 @@
                 <a:avLst/>
               </a:prstGeom>
               <a:blipFill>
-                <a:blip r:embed="rId8"/>
+                <a:blip r:embed="rId11"/>
                 <a:stretch>
                   <a:fillRect/>
                 </a:stretch>
@@ -21880,8 +21824,8 @@
           </p:sp>
         </mc:Fallback>
       </mc:AlternateContent>
-      <mc:AlternateContent xmlns:mc="http://schemas.openxmlformats.org/markup-compatibility/2006">
-        <mc:Choice xmlns:a14="http://schemas.microsoft.com/office/drawing/2010/main" Requires="a14">
+      <mc:AlternateContent xmlns:mc="http://schemas.openxmlformats.org/markup-compatibility/2006" xmlns:a14="http://schemas.microsoft.com/office/drawing/2010/main">
+        <mc:Choice Requires="a14">
           <p:sp>
             <p:nvSpPr>
               <p:cNvPr id="11" name="テキスト ボックス 10">
@@ -21969,7 +21913,7 @@
             </p:txBody>
           </p:sp>
         </mc:Choice>
-        <mc:Fallback>
+        <mc:Fallback xmlns="">
           <p:sp>
             <p:nvSpPr>
               <p:cNvPr id="11" name="テキスト ボックス 10">
@@ -21993,7 +21937,7 @@
                 <a:avLst/>
               </a:prstGeom>
               <a:blipFill>
-                <a:blip r:embed="rId9"/>
+                <a:blip r:embed="rId12"/>
                 <a:stretch>
                   <a:fillRect/>
                 </a:stretch>
@@ -22014,8 +21958,8 @@
           </p:sp>
         </mc:Fallback>
       </mc:AlternateContent>
-      <mc:AlternateContent xmlns:mc="http://schemas.openxmlformats.org/markup-compatibility/2006">
-        <mc:Choice xmlns:a14="http://schemas.microsoft.com/office/drawing/2010/main" Requires="a14">
+      <mc:AlternateContent xmlns:mc="http://schemas.openxmlformats.org/markup-compatibility/2006" xmlns:a14="http://schemas.microsoft.com/office/drawing/2010/main">
+        <mc:Choice Requires="a14">
           <p:sp>
             <p:nvSpPr>
               <p:cNvPr id="13" name="テキスト ボックス 12">
@@ -22088,7 +22032,7 @@
             </p:txBody>
           </p:sp>
         </mc:Choice>
-        <mc:Fallback>
+        <mc:Fallback xmlns="">
           <p:sp>
             <p:nvSpPr>
               <p:cNvPr id="13" name="テキスト ボックス 12">
@@ -22112,7 +22056,7 @@
                 <a:avLst/>
               </a:prstGeom>
               <a:blipFill>
-                <a:blip r:embed="rId10"/>
+                <a:blip r:embed="rId13"/>
                 <a:stretch>
                   <a:fillRect t="-4918" r="-552" b="-27869"/>
                 </a:stretch>
@@ -22133,8 +22077,8 @@
           </p:sp>
         </mc:Fallback>
       </mc:AlternateContent>
-      <mc:AlternateContent xmlns:mc="http://schemas.openxmlformats.org/markup-compatibility/2006">
-        <mc:Choice xmlns:a14="http://schemas.microsoft.com/office/drawing/2010/main" Requires="a14">
+      <mc:AlternateContent xmlns:mc="http://schemas.openxmlformats.org/markup-compatibility/2006" xmlns:a14="http://schemas.microsoft.com/office/drawing/2010/main">
+        <mc:Choice Requires="a14">
           <p:sp>
             <p:nvSpPr>
               <p:cNvPr id="15" name="テキスト ボックス 14">
@@ -22264,7 +22208,7 @@
             </p:txBody>
           </p:sp>
         </mc:Choice>
-        <mc:Fallback>
+        <mc:Fallback xmlns="">
           <p:sp>
             <p:nvSpPr>
               <p:cNvPr id="15" name="テキスト ボックス 14">
@@ -22288,7 +22232,7 @@
                 <a:avLst/>
               </a:prstGeom>
               <a:blipFill>
-                <a:blip r:embed="rId11"/>
+                <a:blip r:embed="rId14"/>
                 <a:stretch>
                   <a:fillRect l="-1110" r="-693"/>
                 </a:stretch>
@@ -22693,8 +22637,8 @@
           </p:sp>
         </mc:Fallback>
       </mc:AlternateContent>
-      <mc:AlternateContent xmlns:mc="http://schemas.openxmlformats.org/markup-compatibility/2006">
-        <mc:Choice xmlns:a14="http://schemas.microsoft.com/office/drawing/2010/main" Requires="a14">
+      <mc:AlternateContent xmlns:mc="http://schemas.openxmlformats.org/markup-compatibility/2006" xmlns:a14="http://schemas.microsoft.com/office/drawing/2010/main">
+        <mc:Choice Requires="a14">
           <p:sp>
             <p:nvSpPr>
               <p:cNvPr id="8" name="テキスト ボックス 7">
@@ -22837,7 +22781,7 @@
             </p:txBody>
           </p:sp>
         </mc:Choice>
-        <mc:Fallback>
+        <mc:Fallback xmlns="">
           <p:sp>
             <p:nvSpPr>
               <p:cNvPr id="8" name="テキスト ボックス 7">

--- a/勾配降下法.pptx
+++ b/勾配降下法.pptx
@@ -4336,7 +4336,7 @@
           <a:p>
             <a:fld id="{4EC6BA71-5A54-4B5E-A474-2BF7EE76CD2A}" type="datetimeFigureOut">
               <a:rPr kumimoji="1" lang="ja-JP" altLang="en-US" smtClean="0"/>
-              <a:t>2024/6/25</a:t>
+              <a:t>2024/7/2</a:t>
             </a:fld>
             <a:endParaRPr kumimoji="1" lang="ja-JP" altLang="en-US"/>
           </a:p>
@@ -4766,7 +4766,7 @@
           <a:p>
             <a:fld id="{2ABC02D7-CBD1-4D33-B166-78A898DF0F76}" type="datetimeFigureOut">
               <a:rPr kumimoji="1" lang="ja-JP" altLang="en-US" smtClean="0"/>
-              <a:t>2024/6/25</a:t>
+              <a:t>2024/7/2</a:t>
             </a:fld>
             <a:endParaRPr kumimoji="1" lang="ja-JP" altLang="en-US"/>
           </a:p>
@@ -4968,7 +4968,7 @@
           <a:p>
             <a:fld id="{2ABC02D7-CBD1-4D33-B166-78A898DF0F76}" type="datetimeFigureOut">
               <a:rPr kumimoji="1" lang="ja-JP" altLang="en-US" smtClean="0"/>
-              <a:t>2024/6/25</a:t>
+              <a:t>2024/7/2</a:t>
             </a:fld>
             <a:endParaRPr kumimoji="1" lang="ja-JP" altLang="en-US"/>
           </a:p>
@@ -5180,7 +5180,7 @@
           <a:p>
             <a:fld id="{2ABC02D7-CBD1-4D33-B166-78A898DF0F76}" type="datetimeFigureOut">
               <a:rPr kumimoji="1" lang="ja-JP" altLang="en-US" smtClean="0"/>
-              <a:t>2024/6/25</a:t>
+              <a:t>2024/7/2</a:t>
             </a:fld>
             <a:endParaRPr kumimoji="1" lang="ja-JP" altLang="en-US"/>
           </a:p>
@@ -5382,7 +5382,7 @@
           <a:p>
             <a:fld id="{2ABC02D7-CBD1-4D33-B166-78A898DF0F76}" type="datetimeFigureOut">
               <a:rPr kumimoji="1" lang="ja-JP" altLang="en-US" smtClean="0"/>
-              <a:t>2024/6/25</a:t>
+              <a:t>2024/7/2</a:t>
             </a:fld>
             <a:endParaRPr kumimoji="1" lang="ja-JP" altLang="en-US"/>
           </a:p>
@@ -5628,7 +5628,7 @@
           <a:p>
             <a:fld id="{2ABC02D7-CBD1-4D33-B166-78A898DF0F76}" type="datetimeFigureOut">
               <a:rPr kumimoji="1" lang="ja-JP" altLang="en-US" smtClean="0"/>
-              <a:t>2024/6/25</a:t>
+              <a:t>2024/7/2</a:t>
             </a:fld>
             <a:endParaRPr kumimoji="1" lang="ja-JP" altLang="en-US"/>
           </a:p>
@@ -5924,7 +5924,7 @@
           <a:p>
             <a:fld id="{2ABC02D7-CBD1-4D33-B166-78A898DF0F76}" type="datetimeFigureOut">
               <a:rPr kumimoji="1" lang="ja-JP" altLang="en-US" smtClean="0"/>
-              <a:t>2024/6/25</a:t>
+              <a:t>2024/7/2</a:t>
             </a:fld>
             <a:endParaRPr kumimoji="1" lang="ja-JP" altLang="en-US"/>
           </a:p>
@@ -6355,7 +6355,7 @@
           <a:p>
             <a:fld id="{2ABC02D7-CBD1-4D33-B166-78A898DF0F76}" type="datetimeFigureOut">
               <a:rPr kumimoji="1" lang="ja-JP" altLang="en-US" smtClean="0"/>
-              <a:t>2024/6/25</a:t>
+              <a:t>2024/7/2</a:t>
             </a:fld>
             <a:endParaRPr kumimoji="1" lang="ja-JP" altLang="en-US"/>
           </a:p>
@@ -6473,7 +6473,7 @@
           <a:p>
             <a:fld id="{2ABC02D7-CBD1-4D33-B166-78A898DF0F76}" type="datetimeFigureOut">
               <a:rPr kumimoji="1" lang="ja-JP" altLang="en-US" smtClean="0"/>
-              <a:t>2024/6/25</a:t>
+              <a:t>2024/7/2</a:t>
             </a:fld>
             <a:endParaRPr kumimoji="1" lang="ja-JP" altLang="en-US"/>
           </a:p>
@@ -6568,7 +6568,7 @@
           <a:p>
             <a:fld id="{2ABC02D7-CBD1-4D33-B166-78A898DF0F76}" type="datetimeFigureOut">
               <a:rPr kumimoji="1" lang="ja-JP" altLang="en-US" smtClean="0"/>
-              <a:t>2024/6/25</a:t>
+              <a:t>2024/7/2</a:t>
             </a:fld>
             <a:endParaRPr kumimoji="1" lang="ja-JP" altLang="en-US"/>
           </a:p>
@@ -6877,7 +6877,7 @@
           <a:p>
             <a:fld id="{2ABC02D7-CBD1-4D33-B166-78A898DF0F76}" type="datetimeFigureOut">
               <a:rPr kumimoji="1" lang="ja-JP" altLang="en-US" smtClean="0"/>
-              <a:t>2024/6/25</a:t>
+              <a:t>2024/7/2</a:t>
             </a:fld>
             <a:endParaRPr kumimoji="1" lang="ja-JP" altLang="en-US"/>
           </a:p>
@@ -7134,7 +7134,7 @@
           <a:p>
             <a:fld id="{2ABC02D7-CBD1-4D33-B166-78A898DF0F76}" type="datetimeFigureOut">
               <a:rPr kumimoji="1" lang="ja-JP" altLang="en-US" smtClean="0"/>
-              <a:t>2024/6/25</a:t>
+              <a:t>2024/7/2</a:t>
             </a:fld>
             <a:endParaRPr kumimoji="1" lang="ja-JP" altLang="en-US"/>
           </a:p>
@@ -7379,7 +7379,7 @@
           <a:p>
             <a:fld id="{2ABC02D7-CBD1-4D33-B166-78A898DF0F76}" type="datetimeFigureOut">
               <a:rPr kumimoji="1" lang="ja-JP" altLang="en-US" smtClean="0"/>
-              <a:t>2024/6/25</a:t>
+              <a:t>2024/7/2</a:t>
             </a:fld>
             <a:endParaRPr kumimoji="1" lang="ja-JP" altLang="en-US"/>
           </a:p>
@@ -7798,7 +7798,7 @@
         </p:nvSpPr>
         <p:spPr>
           <a:xfrm>
-            <a:off x="470131" y="2581431"/>
+            <a:off x="569884" y="2898587"/>
             <a:ext cx="6340197" cy="584775"/>
           </a:xfrm>
           <a:prstGeom prst="rect">
@@ -7814,11 +7814,18 @@
           <a:p>
             <a:pPr algn="l"/>
             <a:r>
+              <a:rPr kumimoji="1" lang="ja-JP" altLang="en-US" sz="3200">
+                <a:latin typeface="メイリオ" panose="020B0604030504040204" pitchFamily="50" charset="-128"/>
+                <a:ea typeface="メイリオ" panose="020B0604030504040204" pitchFamily="50" charset="-128"/>
+              </a:rPr>
+              <a:t>勾配</a:t>
+            </a:r>
+            <a:r>
               <a:rPr kumimoji="1" lang="ja-JP" altLang="en-US" sz="3200" dirty="0">
                 <a:latin typeface="メイリオ" panose="020B0604030504040204" pitchFamily="50" charset="-128"/>
                 <a:ea typeface="メイリオ" panose="020B0604030504040204" pitchFamily="50" charset="-128"/>
               </a:rPr>
-              <a:t>勾配降下法によるパラメータ推定</a:t>
+              <a:t>降下法によるパラメータ推定</a:t>
             </a:r>
           </a:p>
         </p:txBody>
@@ -10993,7 +11000,7 @@
         </p:blipFill>
         <p:spPr bwMode="auto">
           <a:xfrm>
-            <a:off x="2908656" y="1924256"/>
+            <a:off x="4504699" y="1839879"/>
             <a:ext cx="4802441" cy="3134498"/>
           </a:xfrm>
           <a:prstGeom prst="rect">
@@ -11011,8 +11018,8 @@
           </a:extLst>
         </p:spPr>
       </p:pic>
-      <mc:AlternateContent xmlns:mc="http://schemas.openxmlformats.org/markup-compatibility/2006" xmlns:a14="http://schemas.microsoft.com/office/drawing/2010/main">
-        <mc:Choice Requires="a14">
+      <mc:AlternateContent xmlns:mc="http://schemas.openxmlformats.org/markup-compatibility/2006">
+        <mc:Choice xmlns:a14="http://schemas.microsoft.com/office/drawing/2010/main" Requires="a14">
           <p:sp>
             <p:nvSpPr>
               <p:cNvPr id="3" name="テキスト ボックス 2">
@@ -11027,7 +11034,7 @@
             </p:nvSpPr>
             <p:spPr>
               <a:xfrm>
-                <a:off x="7224022" y="4623595"/>
+                <a:off x="8820065" y="4539218"/>
                 <a:ext cx="754592" cy="523220"/>
               </a:xfrm>
               <a:prstGeom prst="rect">
@@ -11079,7 +11086,7 @@
             </p:txBody>
           </p:sp>
         </mc:Choice>
-        <mc:Fallback xmlns="">
+        <mc:Fallback>
           <p:sp>
             <p:nvSpPr>
               <p:cNvPr id="3" name="テキスト ボックス 2">
@@ -11096,7 +11103,7 @@
             </p:nvSpPr>
             <p:spPr>
               <a:xfrm>
-                <a:off x="7224022" y="4623595"/>
+                <a:off x="8820065" y="4539218"/>
                 <a:ext cx="754592" cy="523220"/>
               </a:xfrm>
               <a:prstGeom prst="rect">
@@ -11138,7 +11145,7 @@
         </p:nvSpPr>
         <p:spPr>
           <a:xfrm>
-            <a:off x="4810177" y="4797144"/>
+            <a:off x="6406220" y="4712767"/>
             <a:ext cx="369495" cy="261610"/>
           </a:xfrm>
           <a:prstGeom prst="roundRect">
@@ -11192,7 +11199,7 @@
         </p:nvCxnSpPr>
         <p:spPr>
           <a:xfrm flipH="1">
-            <a:off x="5835981" y="2608316"/>
+            <a:off x="7432024" y="2523939"/>
             <a:ext cx="1224284" cy="2322223"/>
           </a:xfrm>
           <a:prstGeom prst="line">
@@ -11219,8 +11226,8 @@
           </a:fontRef>
         </p:style>
       </p:cxnSp>
-      <mc:AlternateContent xmlns:mc="http://schemas.openxmlformats.org/markup-compatibility/2006" xmlns:a14="http://schemas.microsoft.com/office/drawing/2010/main">
-        <mc:Choice Requires="a14">
+      <mc:AlternateContent xmlns:mc="http://schemas.openxmlformats.org/markup-compatibility/2006">
+        <mc:Choice xmlns:a14="http://schemas.microsoft.com/office/drawing/2010/main" Requires="a14">
           <p:sp>
             <p:nvSpPr>
               <p:cNvPr id="7" name="テキスト ボックス 6">
@@ -11235,7 +11242,7 @@
             </p:nvSpPr>
             <p:spPr>
               <a:xfrm>
-                <a:off x="5954114" y="3037367"/>
+                <a:off x="7550157" y="2952990"/>
                 <a:ext cx="666849" cy="666080"/>
               </a:xfrm>
               <a:prstGeom prst="rect">
@@ -11354,7 +11361,7 @@
             </p:txBody>
           </p:sp>
         </mc:Choice>
-        <mc:Fallback xmlns="">
+        <mc:Fallback>
           <p:sp>
             <p:nvSpPr>
               <p:cNvPr id="7" name="テキスト ボックス 6">
@@ -11371,7 +11378,7 @@
             </p:nvSpPr>
             <p:spPr>
               <a:xfrm>
-                <a:off x="5954114" y="3037367"/>
+                <a:off x="7550157" y="2952990"/>
                 <a:ext cx="666849" cy="666080"/>
               </a:xfrm>
               <a:prstGeom prst="rect">
@@ -11415,7 +11422,7 @@
         </p:nvCxnSpPr>
         <p:spPr>
           <a:xfrm flipH="1">
-            <a:off x="5535439" y="3422920"/>
+            <a:off x="7131482" y="3338543"/>
             <a:ext cx="1301073" cy="1534895"/>
           </a:xfrm>
           <a:prstGeom prst="line">
@@ -11444,8 +11451,8 @@
           </a:fontRef>
         </p:style>
       </p:cxnSp>
-      <mc:AlternateContent xmlns:mc="http://schemas.openxmlformats.org/markup-compatibility/2006" xmlns:a14="http://schemas.microsoft.com/office/drawing/2010/main">
-        <mc:Choice Requires="a14">
+      <mc:AlternateContent xmlns:mc="http://schemas.openxmlformats.org/markup-compatibility/2006">
+        <mc:Choice xmlns:a14="http://schemas.microsoft.com/office/drawing/2010/main" Requires="a14">
           <p:sp>
             <p:nvSpPr>
               <p:cNvPr id="9" name="テキスト ボックス 8">
@@ -11460,7 +11467,7 @@
             </p:nvSpPr>
             <p:spPr>
               <a:xfrm>
-                <a:off x="5615036" y="3531726"/>
+                <a:off x="7211079" y="3447349"/>
                 <a:ext cx="661527" cy="664349"/>
               </a:xfrm>
               <a:prstGeom prst="rect">
@@ -11595,7 +11602,7 @@
             </p:txBody>
           </p:sp>
         </mc:Choice>
-        <mc:Fallback xmlns="">
+        <mc:Fallback>
           <p:sp>
             <p:nvSpPr>
               <p:cNvPr id="9" name="テキスト ボックス 8">
@@ -11612,7 +11619,7 @@
             </p:nvSpPr>
             <p:spPr>
               <a:xfrm>
-                <a:off x="5615036" y="3531726"/>
+                <a:off x="7211079" y="3447349"/>
                 <a:ext cx="661527" cy="664349"/>
               </a:xfrm>
               <a:prstGeom prst="rect">
@@ -11656,7 +11663,7 @@
         </p:nvCxnSpPr>
         <p:spPr>
           <a:xfrm flipV="1">
-            <a:off x="6185975" y="4089524"/>
+            <a:off x="7782018" y="4005147"/>
             <a:ext cx="0" cy="969230"/>
           </a:xfrm>
           <a:prstGeom prst="line">
@@ -11700,7 +11707,7 @@
         </p:nvSpPr>
         <p:spPr>
           <a:xfrm>
-            <a:off x="4748321" y="1965939"/>
+            <a:off x="6344364" y="1881562"/>
             <a:ext cx="431351" cy="369332"/>
           </a:xfrm>
           <a:prstGeom prst="roundRect">
@@ -11738,8 +11745,8 @@
           </a:p>
         </p:txBody>
       </p:sp>
-      <mc:AlternateContent xmlns:mc="http://schemas.openxmlformats.org/markup-compatibility/2006" xmlns:a14="http://schemas.microsoft.com/office/drawing/2010/main">
-        <mc:Choice Requires="a14">
+      <mc:AlternateContent xmlns:mc="http://schemas.openxmlformats.org/markup-compatibility/2006">
+        <mc:Choice xmlns:a14="http://schemas.microsoft.com/office/drawing/2010/main" Requires="a14">
           <p:sp>
             <p:nvSpPr>
               <p:cNvPr id="12" name="テキスト ボックス 11">
@@ -11754,7 +11761,7 @@
             </p:nvSpPr>
             <p:spPr>
               <a:xfrm>
-                <a:off x="6320998" y="5010328"/>
+                <a:off x="7917041" y="4925951"/>
                 <a:ext cx="532775" cy="369332"/>
               </a:xfrm>
               <a:prstGeom prst="rect">
@@ -11823,7 +11830,7 @@
             </p:txBody>
           </p:sp>
         </mc:Choice>
-        <mc:Fallback xmlns="">
+        <mc:Fallback>
           <p:sp>
             <p:nvSpPr>
               <p:cNvPr id="12" name="テキスト ボックス 11">
@@ -11840,7 +11847,7 @@
             </p:nvSpPr>
             <p:spPr>
               <a:xfrm>
-                <a:off x="6320998" y="5010328"/>
+                <a:off x="7917041" y="4925951"/>
                 <a:ext cx="532775" cy="369332"/>
               </a:xfrm>
               <a:prstGeom prst="rect">
@@ -11868,8 +11875,8 @@
           </p:sp>
         </mc:Fallback>
       </mc:AlternateContent>
-      <mc:AlternateContent xmlns:mc="http://schemas.openxmlformats.org/markup-compatibility/2006" xmlns:a14="http://schemas.microsoft.com/office/drawing/2010/main">
-        <mc:Choice Requires="a14">
+      <mc:AlternateContent xmlns:mc="http://schemas.openxmlformats.org/markup-compatibility/2006">
+        <mc:Choice xmlns:a14="http://schemas.microsoft.com/office/drawing/2010/main" Requires="a14">
           <p:sp>
             <p:nvSpPr>
               <p:cNvPr id="13" name="テキスト ボックス 12">
@@ -11884,7 +11891,7 @@
             </p:nvSpPr>
             <p:spPr>
               <a:xfrm>
-                <a:off x="5951726" y="4986151"/>
+                <a:off x="7547769" y="4901774"/>
                 <a:ext cx="527452" cy="369332"/>
               </a:xfrm>
               <a:prstGeom prst="rect">
@@ -11959,7 +11966,7 @@
             </p:txBody>
           </p:sp>
         </mc:Choice>
-        <mc:Fallback xmlns="">
+        <mc:Fallback>
           <p:sp>
             <p:nvSpPr>
               <p:cNvPr id="13" name="テキスト ボックス 12">
@@ -11976,7 +11983,7 @@
             </p:nvSpPr>
             <p:spPr>
               <a:xfrm>
-                <a:off x="5951726" y="4986151"/>
+                <a:off x="7547769" y="4901774"/>
                 <a:ext cx="527452" cy="369332"/>
               </a:xfrm>
               <a:prstGeom prst="rect">
@@ -12004,8 +12011,8 @@
           </p:sp>
         </mc:Fallback>
       </mc:AlternateContent>
-      <mc:AlternateContent xmlns:mc="http://schemas.openxmlformats.org/markup-compatibility/2006" xmlns:a14="http://schemas.microsoft.com/office/drawing/2010/main">
-        <mc:Choice Requires="a14">
+      <mc:AlternateContent xmlns:mc="http://schemas.openxmlformats.org/markup-compatibility/2006">
+        <mc:Choice xmlns:a14="http://schemas.microsoft.com/office/drawing/2010/main" Requires="a14">
           <p:sp>
             <p:nvSpPr>
               <p:cNvPr id="15" name="テキスト ボックス 14">
@@ -12020,7 +12027,7 @@
             </p:nvSpPr>
             <p:spPr>
               <a:xfrm>
-                <a:off x="6836512" y="1397560"/>
+                <a:off x="8432555" y="1313183"/>
                 <a:ext cx="2465868" cy="461665"/>
               </a:xfrm>
               <a:prstGeom prst="rect">
@@ -12127,7 +12134,7 @@
             </p:txBody>
           </p:sp>
         </mc:Choice>
-        <mc:Fallback xmlns="">
+        <mc:Fallback>
           <p:sp>
             <p:nvSpPr>
               <p:cNvPr id="15" name="テキスト ボックス 14">
@@ -12144,7 +12151,7 @@
             </p:nvSpPr>
             <p:spPr>
               <a:xfrm>
-                <a:off x="6836512" y="1397560"/>
+                <a:off x="8432555" y="1313183"/>
                 <a:ext cx="2465868" cy="461665"/>
               </a:xfrm>
               <a:prstGeom prst="rect">
@@ -12345,7 +12352,7 @@
         </p:nvCxnSpPr>
         <p:spPr>
           <a:xfrm>
-            <a:off x="3220453" y="2335271"/>
+            <a:off x="4816496" y="2250894"/>
             <a:ext cx="1364111" cy="2238868"/>
           </a:xfrm>
           <a:prstGeom prst="line">
@@ -12389,7 +12396,7 @@
         </p:nvCxnSpPr>
         <p:spPr>
           <a:xfrm>
-            <a:off x="3692567" y="3491505"/>
+            <a:off x="5288610" y="3407128"/>
             <a:ext cx="1302358" cy="1305639"/>
           </a:xfrm>
           <a:prstGeom prst="line">
@@ -12418,8 +12425,8 @@
           </a:fontRef>
         </p:style>
       </p:cxnSp>
-      <mc:AlternateContent xmlns:mc="http://schemas.openxmlformats.org/markup-compatibility/2006" xmlns:a14="http://schemas.microsoft.com/office/drawing/2010/main">
-        <mc:Choice Requires="a14">
+      <mc:AlternateContent xmlns:mc="http://schemas.openxmlformats.org/markup-compatibility/2006">
+        <mc:Choice xmlns:a14="http://schemas.microsoft.com/office/drawing/2010/main" Requires="a14">
           <p:sp>
             <p:nvSpPr>
               <p:cNvPr id="49" name="テキスト ボックス 48">
@@ -12434,7 +12441,7 @@
             </p:nvSpPr>
             <p:spPr>
               <a:xfrm>
-                <a:off x="3829795" y="2865735"/>
+                <a:off x="5425838" y="2781358"/>
                 <a:ext cx="666849" cy="666080"/>
               </a:xfrm>
               <a:prstGeom prst="rect">
@@ -12553,7 +12560,7 @@
             </p:txBody>
           </p:sp>
         </mc:Choice>
-        <mc:Fallback xmlns="">
+        <mc:Fallback>
           <p:sp>
             <p:nvSpPr>
               <p:cNvPr id="49" name="テキスト ボックス 48">
@@ -12570,7 +12577,7 @@
             </p:nvSpPr>
             <p:spPr>
               <a:xfrm>
-                <a:off x="3829795" y="2865735"/>
+                <a:off x="5425838" y="2781358"/>
                 <a:ext cx="666849" cy="666080"/>
               </a:xfrm>
               <a:prstGeom prst="rect">
@@ -12598,8 +12605,8 @@
           </p:sp>
         </mc:Fallback>
       </mc:AlternateContent>
-      <mc:AlternateContent xmlns:mc="http://schemas.openxmlformats.org/markup-compatibility/2006" xmlns:a14="http://schemas.microsoft.com/office/drawing/2010/main">
-        <mc:Choice Requires="a14">
+      <mc:AlternateContent xmlns:mc="http://schemas.openxmlformats.org/markup-compatibility/2006">
+        <mc:Choice xmlns:a14="http://schemas.microsoft.com/office/drawing/2010/main" Requires="a14">
           <p:sp>
             <p:nvSpPr>
               <p:cNvPr id="50" name="テキスト ボックス 49">
@@ -12614,7 +12621,7 @@
             </p:nvSpPr>
             <p:spPr>
               <a:xfrm>
-                <a:off x="4248203" y="3501384"/>
+                <a:off x="5844246" y="3417007"/>
                 <a:ext cx="661527" cy="664349"/>
               </a:xfrm>
               <a:prstGeom prst="rect">
@@ -12749,7 +12756,7 @@
             </p:txBody>
           </p:sp>
         </mc:Choice>
-        <mc:Fallback xmlns="">
+        <mc:Fallback>
           <p:sp>
             <p:nvSpPr>
               <p:cNvPr id="50" name="テキスト ボックス 49">
@@ -12766,7 +12773,7 @@
             </p:nvSpPr>
             <p:spPr>
               <a:xfrm>
-                <a:off x="4248203" y="3501384"/>
+                <a:off x="5844246" y="3417007"/>
                 <a:ext cx="661527" cy="664349"/>
               </a:xfrm>
               <a:prstGeom prst="rect">
@@ -12808,7 +12815,7 @@
         </p:nvSpPr>
         <p:spPr>
           <a:xfrm>
-            <a:off x="2821500" y="1914018"/>
+            <a:off x="4417543" y="1829641"/>
             <a:ext cx="431351" cy="369332"/>
           </a:xfrm>
           <a:prstGeom prst="roundRect">
@@ -12863,7 +12870,7 @@
         </p:nvCxnSpPr>
         <p:spPr>
           <a:xfrm flipH="1" flipV="1">
-            <a:off x="6573486" y="3491505"/>
+            <a:off x="8169529" y="3407128"/>
             <a:ext cx="13900" cy="1518823"/>
           </a:xfrm>
           <a:prstGeom prst="line">
@@ -12907,7 +12914,7 @@
         </p:nvCxnSpPr>
         <p:spPr>
           <a:xfrm flipV="1">
-            <a:off x="4327615" y="4009735"/>
+            <a:off x="5923658" y="3925358"/>
             <a:ext cx="0" cy="969230"/>
           </a:xfrm>
           <a:prstGeom prst="line">
@@ -12937,8 +12944,8 @@
           </a:fontRef>
         </p:style>
       </p:cxnSp>
-      <mc:AlternateContent xmlns:mc="http://schemas.openxmlformats.org/markup-compatibility/2006" xmlns:a14="http://schemas.microsoft.com/office/drawing/2010/main">
-        <mc:Choice Requires="a14">
+      <mc:AlternateContent xmlns:mc="http://schemas.openxmlformats.org/markup-compatibility/2006">
+        <mc:Choice xmlns:a14="http://schemas.microsoft.com/office/drawing/2010/main" Requires="a14">
           <p:sp>
             <p:nvSpPr>
               <p:cNvPr id="59" name="テキスト ボックス 58">
@@ -12953,7 +12960,7 @@
             </p:nvSpPr>
             <p:spPr>
               <a:xfrm>
-                <a:off x="3738691" y="4914398"/>
+                <a:off x="5334734" y="4830021"/>
                 <a:ext cx="532775" cy="369332"/>
               </a:xfrm>
               <a:prstGeom prst="rect">
@@ -13022,7 +13029,7 @@
             </p:txBody>
           </p:sp>
         </mc:Choice>
-        <mc:Fallback xmlns="">
+        <mc:Fallback>
           <p:sp>
             <p:nvSpPr>
               <p:cNvPr id="59" name="テキスト ボックス 58">
@@ -13039,7 +13046,7 @@
             </p:nvSpPr>
             <p:spPr>
               <a:xfrm>
-                <a:off x="3738691" y="4914398"/>
+                <a:off x="5334734" y="4830021"/>
                 <a:ext cx="532775" cy="369332"/>
               </a:xfrm>
               <a:prstGeom prst="rect">
@@ -13067,8 +13074,8 @@
           </p:sp>
         </mc:Fallback>
       </mc:AlternateContent>
-      <mc:AlternateContent xmlns:mc="http://schemas.openxmlformats.org/markup-compatibility/2006" xmlns:a14="http://schemas.microsoft.com/office/drawing/2010/main">
-        <mc:Choice Requires="a14">
+      <mc:AlternateContent xmlns:mc="http://schemas.openxmlformats.org/markup-compatibility/2006">
+        <mc:Choice xmlns:a14="http://schemas.microsoft.com/office/drawing/2010/main" Requires="a14">
           <p:sp>
             <p:nvSpPr>
               <p:cNvPr id="60" name="テキスト ボックス 59">
@@ -13083,7 +13090,7 @@
             </p:nvSpPr>
             <p:spPr>
               <a:xfrm>
-                <a:off x="4093366" y="4906362"/>
+                <a:off x="5689409" y="4821985"/>
                 <a:ext cx="527452" cy="369332"/>
               </a:xfrm>
               <a:prstGeom prst="rect">
@@ -13158,7 +13165,7 @@
             </p:txBody>
           </p:sp>
         </mc:Choice>
-        <mc:Fallback xmlns="">
+        <mc:Fallback>
           <p:sp>
             <p:nvSpPr>
               <p:cNvPr id="60" name="テキスト ボックス 59">
@@ -13175,7 +13182,7 @@
             </p:nvSpPr>
             <p:spPr>
               <a:xfrm>
-                <a:off x="4093366" y="4906362"/>
+                <a:off x="5689409" y="4821985"/>
                 <a:ext cx="527452" cy="369332"/>
               </a:xfrm>
               <a:prstGeom prst="rect">
@@ -13219,7 +13226,7 @@
         </p:nvCxnSpPr>
         <p:spPr>
           <a:xfrm flipH="1" flipV="1">
-            <a:off x="4009540" y="3535873"/>
+            <a:off x="5605583" y="3451496"/>
             <a:ext cx="13900" cy="1518823"/>
           </a:xfrm>
           <a:prstGeom prst="line">
@@ -13263,7 +13270,7 @@
         </p:nvCxnSpPr>
         <p:spPr>
           <a:xfrm>
-            <a:off x="4023440" y="4574139"/>
+            <a:off x="5619483" y="4489762"/>
             <a:ext cx="304175" cy="0"/>
           </a:xfrm>
           <a:prstGeom prst="straightConnector1">
@@ -13307,7 +13314,7 @@
         </p:nvCxnSpPr>
         <p:spPr>
           <a:xfrm flipH="1">
-            <a:off x="6215452" y="4574139"/>
+            <a:off x="7811495" y="4489762"/>
             <a:ext cx="304175" cy="0"/>
           </a:xfrm>
           <a:prstGeom prst="straightConnector1">
@@ -13351,7 +13358,7 @@
         </p:nvCxnSpPr>
         <p:spPr>
           <a:xfrm>
-            <a:off x="3914069" y="5583789"/>
+            <a:off x="5510112" y="5499412"/>
             <a:ext cx="304175" cy="0"/>
           </a:xfrm>
           <a:prstGeom prst="straightConnector1">
@@ -13393,7 +13400,7 @@
         </p:nvSpPr>
         <p:spPr>
           <a:xfrm>
-            <a:off x="4271466" y="5459449"/>
+            <a:off x="5867509" y="5375072"/>
             <a:ext cx="2262158" cy="369332"/>
           </a:xfrm>
           <a:prstGeom prst="rect">
@@ -13418,8 +13425,8 @@
           </a:p>
         </p:txBody>
       </p:sp>
-      <mc:AlternateContent xmlns:mc="http://schemas.openxmlformats.org/markup-compatibility/2006" xmlns:a14="http://schemas.microsoft.com/office/drawing/2010/main">
-        <mc:Choice Requires="a14">
+      <mc:AlternateContent xmlns:mc="http://schemas.openxmlformats.org/markup-compatibility/2006">
+        <mc:Choice xmlns:a14="http://schemas.microsoft.com/office/drawing/2010/main" Requires="a14">
           <p:sp>
             <p:nvSpPr>
               <p:cNvPr id="70" name="テキスト ボックス 69">
@@ -13434,7 +13441,7 @@
             </p:nvSpPr>
             <p:spPr>
               <a:xfrm>
-                <a:off x="6927099" y="3703447"/>
+                <a:off x="8523142" y="3619070"/>
                 <a:ext cx="2251514" cy="646331"/>
               </a:xfrm>
               <a:prstGeom prst="rect">
@@ -13566,7 +13573,7 @@
             </p:txBody>
           </p:sp>
         </mc:Choice>
-        <mc:Fallback xmlns="">
+        <mc:Fallback>
           <p:sp>
             <p:nvSpPr>
               <p:cNvPr id="70" name="テキスト ボックス 69">
@@ -13583,7 +13590,7 @@
             </p:nvSpPr>
             <p:spPr>
               <a:xfrm>
-                <a:off x="6927099" y="3703447"/>
+                <a:off x="8523142" y="3619070"/>
                 <a:ext cx="2251514" cy="646331"/>
               </a:xfrm>
               <a:prstGeom prst="rect">
@@ -13592,7 +13599,7 @@
               <a:blipFill>
                 <a:blip r:embed="rId14"/>
                 <a:stretch>
-                  <a:fillRect l="-2162" t="-4717" r="-2162" b="-16038"/>
+                  <a:fillRect l="-2168" t="-4717" r="-2439" b="-16038"/>
                 </a:stretch>
               </a:blipFill>
             </p:spPr>
@@ -13611,8 +13618,8 @@
           </p:sp>
         </mc:Fallback>
       </mc:AlternateContent>
-      <mc:AlternateContent xmlns:mc="http://schemas.openxmlformats.org/markup-compatibility/2006" xmlns:a14="http://schemas.microsoft.com/office/drawing/2010/main">
-        <mc:Choice Requires="a14">
+      <mc:AlternateContent xmlns:mc="http://schemas.openxmlformats.org/markup-compatibility/2006">
+        <mc:Choice xmlns:a14="http://schemas.microsoft.com/office/drawing/2010/main" Requires="a14">
           <p:sp>
             <p:nvSpPr>
               <p:cNvPr id="71" name="テキスト ボックス 70">
@@ -13627,7 +13634,7 @@
             </p:nvSpPr>
             <p:spPr>
               <a:xfrm>
-                <a:off x="1381987" y="3648673"/>
+                <a:off x="2978030" y="3564296"/>
                 <a:ext cx="2251514" cy="646331"/>
               </a:xfrm>
               <a:prstGeom prst="rect">
@@ -13759,7 +13766,7 @@
             </p:txBody>
           </p:sp>
         </mc:Choice>
-        <mc:Fallback xmlns="">
+        <mc:Fallback>
           <p:sp>
             <p:nvSpPr>
               <p:cNvPr id="71" name="テキスト ボックス 70">
@@ -13776,7 +13783,7 @@
             </p:nvSpPr>
             <p:spPr>
               <a:xfrm>
-                <a:off x="1381987" y="3648673"/>
+                <a:off x="2978030" y="3564296"/>
                 <a:ext cx="2251514" cy="646331"/>
               </a:xfrm>
               <a:prstGeom prst="rect">
@@ -13897,6 +13904,415 @@
                 <a:blip r:embed="rId16"/>
                 <a:stretch>
                   <a:fillRect l="-371" t="-9302" r="-148" b="-33721"/>
+                </a:stretch>
+              </a:blipFill>
+            </p:spPr>
+            <p:txBody>
+              <a:bodyPr/>
+              <a:lstStyle/>
+              <a:p>
+                <a:r>
+                  <a:rPr lang="ja-JP" altLang="en-US">
+                    <a:noFill/>
+                  </a:rPr>
+                  <a:t> </a:t>
+                </a:r>
+              </a:p>
+            </p:txBody>
+          </p:sp>
+        </mc:Fallback>
+      </mc:AlternateContent>
+      <p:pic>
+        <p:nvPicPr>
+          <p:cNvPr id="14" name="図 13">
+            <a:extLst>
+              <a:ext uri="{FF2B5EF4-FFF2-40B4-BE49-F238E27FC236}">
+                <a16:creationId xmlns:a16="http://schemas.microsoft.com/office/drawing/2014/main" id="{6DF8F73E-2D68-66DD-F988-64044C3DE0DF}"/>
+              </a:ext>
+            </a:extLst>
+          </p:cNvPr>
+          <p:cNvPicPr>
+            <a:picLocks noChangeAspect="1"/>
+          </p:cNvPicPr>
+          <p:nvPr/>
+        </p:nvPicPr>
+        <p:blipFill>
+          <a:blip r:embed="rId17"/>
+          <a:stretch>
+            <a:fillRect/>
+          </a:stretch>
+        </p:blipFill>
+        <p:spPr>
+          <a:xfrm>
+            <a:off x="189427" y="1866261"/>
+            <a:ext cx="4290382" cy="844788"/>
+          </a:xfrm>
+          <a:prstGeom prst="rect">
+            <a:avLst/>
+          </a:prstGeom>
+        </p:spPr>
+      </p:pic>
+      <p:sp>
+        <p:nvSpPr>
+          <p:cNvPr id="16" name="テキスト ボックス 15">
+            <a:extLst>
+              <a:ext uri="{FF2B5EF4-FFF2-40B4-BE49-F238E27FC236}">
+                <a16:creationId xmlns:a16="http://schemas.microsoft.com/office/drawing/2014/main" id="{87D05B04-1062-D2DB-C936-194FBD4EC7AF}"/>
+              </a:ext>
+            </a:extLst>
+          </p:cNvPr>
+          <p:cNvSpPr txBox="1"/>
+          <p:nvPr/>
+        </p:nvSpPr>
+        <p:spPr>
+          <a:xfrm>
+            <a:off x="342836" y="1517808"/>
+            <a:ext cx="1467068" cy="400110"/>
+          </a:xfrm>
+          <a:prstGeom prst="rect">
+            <a:avLst/>
+          </a:prstGeom>
+          <a:noFill/>
+        </p:spPr>
+        <p:txBody>
+          <a:bodyPr wrap="none" rtlCol="0">
+            <a:spAutoFit/>
+          </a:bodyPr>
+          <a:lstStyle/>
+          <a:p>
+            <a:pPr algn="l"/>
+            <a:r>
+              <a:rPr kumimoji="1" lang="ja-JP" altLang="en-US" sz="2000" b="1" dirty="0">
+                <a:latin typeface="メイリオ" panose="020B0604030504040204" pitchFamily="50" charset="-128"/>
+                <a:ea typeface="メイリオ" panose="020B0604030504040204" pitchFamily="50" charset="-128"/>
+              </a:rPr>
+              <a:t>勾配の定義</a:t>
+            </a:r>
+          </a:p>
+        </p:txBody>
+      </p:sp>
+      <mc:AlternateContent xmlns:mc="http://schemas.openxmlformats.org/markup-compatibility/2006">
+        <mc:Choice xmlns:a14="http://schemas.microsoft.com/office/drawing/2010/main" Requires="a14">
+          <p:sp>
+            <p:nvSpPr>
+              <p:cNvPr id="17" name="テキスト ボックス 16">
+                <a:extLst>
+                  <a:ext uri="{FF2B5EF4-FFF2-40B4-BE49-F238E27FC236}">
+                    <a16:creationId xmlns:a16="http://schemas.microsoft.com/office/drawing/2014/main" id="{7665BCA5-1A0E-21AE-F40E-5023D1968AC1}"/>
+                  </a:ext>
+                </a:extLst>
+              </p:cNvPr>
+              <p:cNvSpPr txBox="1"/>
+              <p:nvPr/>
+            </p:nvSpPr>
+            <p:spPr>
+              <a:xfrm>
+                <a:off x="495102" y="2750359"/>
+                <a:ext cx="2664768" cy="279628"/>
+              </a:xfrm>
+              <a:prstGeom prst="rect">
+                <a:avLst/>
+              </a:prstGeom>
+              <a:noFill/>
+            </p:spPr>
+            <p:txBody>
+              <a:bodyPr wrap="none" lIns="0" tIns="0" rIns="0" bIns="0" rtlCol="0">
+                <a:spAutoFit/>
+              </a:bodyPr>
+              <a:lstStyle/>
+              <a:p>
+                <a:pPr algn="l"/>
+                <a14:m>
+                  <m:oMath xmlns:m="http://schemas.openxmlformats.org/officeDocument/2006/math">
+                    <m:r>
+                      <a:rPr kumimoji="1" lang="ja-JP" altLang="en-US" i="1" smtClean="0">
+                        <a:latin typeface="Cambria Math" panose="02040503050406030204" pitchFamily="18" charset="0"/>
+                        <a:ea typeface="メイリオ" panose="020B0604030504040204" pitchFamily="50" charset="-128"/>
+                      </a:rPr>
+                      <m:t>∆</m:t>
+                    </m:r>
+                    <m:r>
+                      <a:rPr kumimoji="1" lang="en-US" altLang="ja-JP" b="0" i="1" smtClean="0">
+                        <a:latin typeface="Cambria Math" panose="02040503050406030204" pitchFamily="18" charset="0"/>
+                        <a:ea typeface="メイリオ" panose="020B0604030504040204" pitchFamily="50" charset="-128"/>
+                      </a:rPr>
+                      <m:t>𝑥</m:t>
+                    </m:r>
+                    <m:r>
+                      <a:rPr kumimoji="1" lang="en-US" altLang="ja-JP" b="0" i="1" smtClean="0">
+                        <a:latin typeface="Cambria Math" panose="02040503050406030204" pitchFamily="18" charset="0"/>
+                        <a:ea typeface="メイリオ" panose="020B0604030504040204" pitchFamily="50" charset="-128"/>
+                      </a:rPr>
+                      <m:t>→0</m:t>
+                    </m:r>
+                    <m:r>
+                      <a:rPr kumimoji="1" lang="en-US" altLang="ja-JP" b="0" i="0" smtClean="0">
+                        <a:latin typeface="Cambria Math" panose="02040503050406030204" pitchFamily="18" charset="0"/>
+                        <a:ea typeface="メイリオ" panose="020B0604030504040204" pitchFamily="50" charset="-128"/>
+                      </a:rPr>
+                      <m:t>:</m:t>
+                    </m:r>
+                    <m:r>
+                      <a:rPr kumimoji="1" lang="ja-JP" altLang="en-US" i="1">
+                        <a:latin typeface="Cambria Math" panose="02040503050406030204" pitchFamily="18" charset="0"/>
+                        <a:ea typeface="メイリオ" panose="020B0604030504040204" pitchFamily="50" charset="-128"/>
+                      </a:rPr>
+                      <m:t>接線</m:t>
+                    </m:r>
+                  </m:oMath>
+                </a14:m>
+                <a:r>
+                  <a:rPr kumimoji="1" lang="ja-JP" altLang="en-US" dirty="0">
+                    <a:latin typeface="メイリオ" panose="020B0604030504040204" pitchFamily="50" charset="-128"/>
+                    <a:ea typeface="メイリオ" panose="020B0604030504040204" pitchFamily="50" charset="-128"/>
+                  </a:rPr>
+                  <a:t>の傾きを表す</a:t>
+                </a:r>
+              </a:p>
+            </p:txBody>
+          </p:sp>
+        </mc:Choice>
+        <mc:Fallback>
+          <p:sp>
+            <p:nvSpPr>
+              <p:cNvPr id="17" name="テキスト ボックス 16">
+                <a:extLst>
+                  <a:ext uri="{FF2B5EF4-FFF2-40B4-BE49-F238E27FC236}">
+                    <a16:creationId xmlns:a16="http://schemas.microsoft.com/office/drawing/2014/main" id="{7665BCA5-1A0E-21AE-F40E-5023D1968AC1}"/>
+                  </a:ext>
+                </a:extLst>
+              </p:cNvPr>
+              <p:cNvSpPr txBox="1">
+                <a:spLocks noRot="1" noChangeAspect="1" noMove="1" noResize="1" noEditPoints="1" noAdjustHandles="1" noChangeArrowheads="1" noChangeShapeType="1" noTextEdit="1"/>
+              </p:cNvSpPr>
+              <p:nvPr/>
+            </p:nvSpPr>
+            <p:spPr>
+              <a:xfrm>
+                <a:off x="495102" y="2750359"/>
+                <a:ext cx="2664768" cy="279628"/>
+              </a:xfrm>
+              <a:prstGeom prst="rect">
+                <a:avLst/>
+              </a:prstGeom>
+              <a:blipFill>
+                <a:blip r:embed="rId18"/>
+                <a:stretch>
+                  <a:fillRect l="-2975" t="-21739" r="-5263" b="-56522"/>
+                </a:stretch>
+              </a:blipFill>
+            </p:spPr>
+            <p:txBody>
+              <a:bodyPr/>
+              <a:lstStyle/>
+              <a:p>
+                <a:r>
+                  <a:rPr lang="ja-JP" altLang="en-US">
+                    <a:noFill/>
+                  </a:rPr>
+                  <a:t> </a:t>
+                </a:r>
+              </a:p>
+            </p:txBody>
+          </p:sp>
+        </mc:Fallback>
+      </mc:AlternateContent>
+      <p:sp>
+        <p:nvSpPr>
+          <p:cNvPr id="19" name="正方形/長方形 18">
+            <a:extLst>
+              <a:ext uri="{FF2B5EF4-FFF2-40B4-BE49-F238E27FC236}">
+                <a16:creationId xmlns:a16="http://schemas.microsoft.com/office/drawing/2014/main" id="{9E29F7AE-BB45-FE9E-3EB2-0C0856011CDB}"/>
+              </a:ext>
+            </a:extLst>
+          </p:cNvPr>
+          <p:cNvSpPr/>
+          <p:nvPr/>
+        </p:nvSpPr>
+        <p:spPr>
+          <a:xfrm>
+            <a:off x="281947" y="1412082"/>
+            <a:ext cx="4361619" cy="2064153"/>
+          </a:xfrm>
+          <a:prstGeom prst="rect">
+            <a:avLst/>
+          </a:prstGeom>
+          <a:noFill/>
+        </p:spPr>
+        <p:style>
+          <a:lnRef idx="2">
+            <a:schemeClr val="accent1">
+              <a:shade val="15000"/>
+            </a:schemeClr>
+          </a:lnRef>
+          <a:fillRef idx="1">
+            <a:schemeClr val="accent1"/>
+          </a:fillRef>
+          <a:effectRef idx="0">
+            <a:schemeClr val="accent1"/>
+          </a:effectRef>
+          <a:fontRef idx="minor">
+            <a:schemeClr val="lt1"/>
+          </a:fontRef>
+        </p:style>
+        <p:txBody>
+          <a:bodyPr rtlCol="0" anchor="ctr"/>
+          <a:lstStyle/>
+          <a:p>
+            <a:pPr algn="ctr"/>
+            <a:endParaRPr kumimoji="1" lang="ja-JP" altLang="en-US"/>
+          </a:p>
+        </p:txBody>
+      </p:sp>
+      <mc:AlternateContent xmlns:mc="http://schemas.openxmlformats.org/markup-compatibility/2006">
+        <mc:Choice xmlns:a14="http://schemas.microsoft.com/office/drawing/2010/main" Requires="a14">
+          <p:sp>
+            <p:nvSpPr>
+              <p:cNvPr id="20" name="テキスト ボックス 19">
+                <a:extLst>
+                  <a:ext uri="{FF2B5EF4-FFF2-40B4-BE49-F238E27FC236}">
+                    <a16:creationId xmlns:a16="http://schemas.microsoft.com/office/drawing/2014/main" id="{A1A0C47F-0493-F009-DFE8-E8ECA12CD4FD}"/>
+                  </a:ext>
+                </a:extLst>
+              </p:cNvPr>
+              <p:cNvSpPr txBox="1"/>
+              <p:nvPr/>
+            </p:nvSpPr>
+            <p:spPr>
+              <a:xfrm>
+                <a:off x="281947" y="3042323"/>
+                <a:ext cx="1967142" cy="646331"/>
+              </a:xfrm>
+              <a:prstGeom prst="rect">
+                <a:avLst/>
+              </a:prstGeom>
+              <a:noFill/>
+            </p:spPr>
+            <p:txBody>
+              <a:bodyPr wrap="none" rtlCol="0">
+                <a:spAutoFit/>
+              </a:bodyPr>
+              <a:lstStyle/>
+              <a:p>
+                <a14:m>
+                  <m:oMathPara xmlns:m="http://schemas.openxmlformats.org/officeDocument/2006/math">
+                    <m:oMathParaPr>
+                      <m:jc m:val="centerGroup"/>
+                    </m:oMathParaPr>
+                    <m:oMath xmlns:m="http://schemas.openxmlformats.org/officeDocument/2006/math">
+                      <m:r>
+                        <a:rPr kumimoji="1" lang="en-US" altLang="ja-JP" sz="1800" b="0" i="1" smtClean="0">
+                          <a:latin typeface="Cambria Math" panose="02040503050406030204" pitchFamily="18" charset="0"/>
+                          <a:ea typeface="メイリオ" panose="020B0604030504040204" pitchFamily="50" charset="-128"/>
+                        </a:rPr>
+                        <m:t>𝐽</m:t>
+                      </m:r>
+                      <m:r>
+                        <a:rPr kumimoji="1" lang="en-US" altLang="ja-JP" sz="1800" b="0" i="1" smtClean="0">
+                          <a:latin typeface="Cambria Math" panose="02040503050406030204" pitchFamily="18" charset="0"/>
+                          <a:ea typeface="メイリオ" panose="020B0604030504040204" pitchFamily="50" charset="-128"/>
+                        </a:rPr>
+                        <m:t>′</m:t>
+                      </m:r>
+                      <m:d>
+                        <m:dPr>
+                          <m:ctrlPr>
+                            <a:rPr kumimoji="1" lang="en-US" altLang="ja-JP" sz="1800" b="0" i="1" smtClean="0">
+                              <a:latin typeface="Cambria Math" panose="02040503050406030204" pitchFamily="18" charset="0"/>
+                              <a:ea typeface="メイリオ" panose="020B0604030504040204" pitchFamily="50" charset="-128"/>
+                            </a:rPr>
+                          </m:ctrlPr>
+                        </m:dPr>
+                        <m:e>
+                          <m:r>
+                            <a:rPr kumimoji="1" lang="en-US" altLang="ja-JP" sz="1800" b="0" i="1" smtClean="0">
+                              <a:latin typeface="Cambria Math" panose="02040503050406030204" pitchFamily="18" charset="0"/>
+                              <a:ea typeface="メイリオ" panose="020B0604030504040204" pitchFamily="50" charset="-128"/>
+                            </a:rPr>
+                            <m:t>𝑤</m:t>
+                          </m:r>
+                        </m:e>
+                      </m:d>
+                      <m:r>
+                        <a:rPr kumimoji="1" lang="en-US" altLang="ja-JP" sz="1800" b="0" i="1" smtClean="0">
+                          <a:latin typeface="Cambria Math" panose="02040503050406030204" pitchFamily="18" charset="0"/>
+                          <a:ea typeface="メイリオ" panose="020B0604030504040204" pitchFamily="50" charset="-128"/>
+                        </a:rPr>
+                        <m:t>=</m:t>
+                      </m:r>
+                      <m:r>
+                        <a:rPr kumimoji="1" lang="en-US" altLang="ja-JP" sz="1800" b="0" i="1" smtClean="0">
+                          <a:latin typeface="Cambria Math" panose="02040503050406030204" pitchFamily="18" charset="0"/>
+                          <a:ea typeface="メイリオ" panose="020B0604030504040204" pitchFamily="50" charset="-128"/>
+                        </a:rPr>
+                        <m:t>4</m:t>
+                      </m:r>
+                      <m:r>
+                        <a:rPr kumimoji="1" lang="en-US" altLang="ja-JP" sz="1800" b="0" i="1" smtClean="0">
+                          <a:latin typeface="Cambria Math" panose="02040503050406030204" pitchFamily="18" charset="0"/>
+                          <a:ea typeface="メイリオ" panose="020B0604030504040204" pitchFamily="50" charset="-128"/>
+                        </a:rPr>
+                        <m:t>𝑤</m:t>
+                      </m:r>
+                      <m:r>
+                        <a:rPr kumimoji="1" lang="en-US" altLang="ja-JP" sz="1800" b="0" i="1" smtClean="0">
+                          <a:latin typeface="Cambria Math" panose="02040503050406030204" pitchFamily="18" charset="0"/>
+                          <a:ea typeface="メイリオ" panose="020B0604030504040204" pitchFamily="50" charset="-128"/>
+                        </a:rPr>
+                        <m:t>+</m:t>
+                      </m:r>
+                      <m:r>
+                        <a:rPr kumimoji="1" lang="en-US" altLang="ja-JP" sz="1800" b="0" i="1" smtClean="0">
+                          <a:latin typeface="Cambria Math" panose="02040503050406030204" pitchFamily="18" charset="0"/>
+                          <a:ea typeface="メイリオ" panose="020B0604030504040204" pitchFamily="50" charset="-128"/>
+                        </a:rPr>
+                        <m:t>1</m:t>
+                      </m:r>
+                    </m:oMath>
+                  </m:oMathPara>
+                </a14:m>
+                <a:endParaRPr kumimoji="1" lang="ja-JP" altLang="en-US" sz="1800" dirty="0">
+                  <a:latin typeface="メイリオ" panose="020B0604030504040204" pitchFamily="50" charset="-128"/>
+                  <a:ea typeface="メイリオ" panose="020B0604030504040204" pitchFamily="50" charset="-128"/>
+                </a:endParaRPr>
+              </a:p>
+              <a:p>
+                <a:pPr algn="l"/>
+                <a:endParaRPr kumimoji="1" lang="ja-JP" altLang="en-US" dirty="0">
+                  <a:latin typeface="メイリオ" panose="020B0604030504040204" pitchFamily="50" charset="-128"/>
+                  <a:ea typeface="メイリオ" panose="020B0604030504040204" pitchFamily="50" charset="-128"/>
+                </a:endParaRPr>
+              </a:p>
+            </p:txBody>
+          </p:sp>
+        </mc:Choice>
+        <mc:Fallback>
+          <p:sp>
+            <p:nvSpPr>
+              <p:cNvPr id="20" name="テキスト ボックス 19">
+                <a:extLst>
+                  <a:ext uri="{FF2B5EF4-FFF2-40B4-BE49-F238E27FC236}">
+                    <a16:creationId xmlns:a16="http://schemas.microsoft.com/office/drawing/2014/main" id="{A1A0C47F-0493-F009-DFE8-E8ECA12CD4FD}"/>
+                  </a:ext>
+                </a:extLst>
+              </p:cNvPr>
+              <p:cNvSpPr txBox="1">
+                <a:spLocks noRot="1" noChangeAspect="1" noMove="1" noResize="1" noEditPoints="1" noAdjustHandles="1" noChangeArrowheads="1" noChangeShapeType="1" noTextEdit="1"/>
+              </p:cNvSpPr>
+              <p:nvPr/>
+            </p:nvSpPr>
+            <p:spPr>
+              <a:xfrm>
+                <a:off x="281947" y="3042323"/>
+                <a:ext cx="1967142" cy="646331"/>
+              </a:xfrm>
+              <a:prstGeom prst="rect">
+                <a:avLst/>
+              </a:prstGeom>
+              <a:blipFill>
+                <a:blip r:embed="rId19"/>
+                <a:stretch>
+                  <a:fillRect/>
                 </a:stretch>
               </a:blipFill>
             </p:spPr>
